--- a/Documents/Power.pptx
+++ b/Documents/Power.pptx
@@ -19,6 +19,10 @@
     <p:sldId id="266" r:id="rId14"/>
     <p:sldId id="267" r:id="rId15"/>
     <p:sldId id="268" r:id="rId16"/>
+    <p:sldId id="269" r:id="rId17"/>
+    <p:sldId id="270" r:id="rId18"/>
+    <p:sldId id="271" r:id="rId19"/>
+    <p:sldId id="272" r:id="rId20"/>
   </p:sldIdLst>
   <p:sldSz cx="10080625" cy="7559675"/>
   <p:notesSz cx="7559675" cy="10691812"/>
@@ -3323,7 +3327,7 @@
                 </a:uFill>
                 <a:latin typeface="Times New Roman"/>
               </a:rPr>
-              <a:t> </a:t>
+              <a:t>&lt;fecha/hora&gt;</a:t>
             </a:r>
             <a:endParaRPr b="0" lang="zxx" sz="1400" spc="-1" strike="noStrike">
               <a:solidFill>
@@ -3374,7 +3378,7 @@
                 </a:uFill>
                 <a:latin typeface="Times New Roman"/>
               </a:rPr>
-              <a:t> </a:t>
+              <a:t>&lt;pie de página&gt;</a:t>
             </a:r>
             <a:endParaRPr b="0" lang="zxx" sz="1400" spc="-1" strike="noStrike">
               <a:solidFill>
@@ -3413,7 +3417,7 @@
           <a:bodyPr lIns="0" rIns="0" tIns="0" bIns="0"/>
           <a:p>
             <a:pPr algn="r"/>
-            <a:fld id="{1C588D3A-FFAE-402B-B5E5-0A7F4412F7EA}" type="slidenum">
+            <a:fld id="{38815975-7BD7-4CF2-8B07-34C3A8800FB5}" type="slidenum">
               <a:rPr b="0" lang="zxx" sz="1400" spc="-1" strike="noStrike">
                 <a:solidFill>
                   <a:srgbClr val="000000"/>
@@ -3425,7 +3429,7 @@
                 </a:uFill>
                 <a:latin typeface="Times New Roman"/>
               </a:rPr>
-              <a:t>13</a:t>
+              <a:t>&lt;número&gt;</a:t>
             </a:fld>
             <a:endParaRPr b="0" lang="zxx" sz="1400" spc="-1" strike="noStrike">
               <a:solidFill>
@@ -4004,7 +4008,7 @@
           <a:bodyPr lIns="0" rIns="0" tIns="0" bIns="0" anchor="ctr"/>
           <a:p>
             <a:pPr algn="ctr"/>
-            <a:fld id="{A4557596-2436-4911-AA87-DE88789A2E5B}" type="slidenum">
+            <a:fld id="{B3364D79-55E5-4419-9656-5925604F3AD4}" type="slidenum">
               <a:rPr b="1" lang="es-ES" sz="1800" spc="-1" strike="noStrike">
                 <a:solidFill>
                   <a:srgbClr val="ffffff"/>
@@ -5505,6 +5509,1422 @@
           <p:childTnLst>
             <p:seq>
               <p:cTn id="26" nodeType="mainSeq"/>
+              <p:prevCondLst>
+                <p:cond delay="0" evt="onPrev">
+                  <p:tgtEl>
+                    <p:sldTgt/>
+                  </p:tgtEl>
+                </p:cond>
+              </p:prevCondLst>
+              <p:nextCondLst>
+                <p:cond delay="0" evt="onNext">
+                  <p:tgtEl>
+                    <p:sldTgt/>
+                  </p:tgtEl>
+                </p:cond>
+              </p:nextCondLst>
+            </p:seq>
+          </p:childTnLst>
+        </p:cTn>
+      </p:par>
+    </p:tnLst>
+  </p:timing>
+</p:sld>
+</file>
+
+<file path=ppt/slides/slide14.xml><?xml version="1.0" encoding="utf-8"?>
+<p:sld xmlns:a="http://schemas.openxmlformats.org/drawingml/2006/main" xmlns:p="http://schemas.openxmlformats.org/presentationml/2006/main" xmlns:r="http://schemas.openxmlformats.org/officeDocument/2006/relationships" xmlns:p14="http://schemas.microsoft.com/office/powerpoint/2010/main" xmlns:p15="http://schemas.microsoft.com/office/powerpoint/2012/main" xmlns:mc="http://schemas.openxmlformats.org/markup-compatibility/2006">
+  <p:cSld>
+    <p:spTree>
+      <p:nvGrpSpPr>
+        <p:cNvPr id="1" name=""/>
+        <p:cNvGrpSpPr/>
+        <p:nvPr/>
+      </p:nvGrpSpPr>
+      <p:grpSpPr>
+        <a:xfrm>
+          <a:off x="0" y="0"/>
+          <a:ext cx="0" cy="0"/>
+          <a:chOff x="0" y="0"/>
+          <a:chExt cx="0" cy="0"/>
+        </a:xfrm>
+      </p:grpSpPr>
+      <p:sp>
+        <p:nvSpPr>
+          <p:cNvPr id="121" name="TextShape 1"/>
+          <p:cNvSpPr txBox="1"/>
+          <p:nvPr/>
+        </p:nvSpPr>
+        <p:spPr>
+          <a:xfrm>
+            <a:off x="360000" y="301320"/>
+            <a:ext cx="9360000" cy="958680"/>
+          </a:xfrm>
+          <a:prstGeom prst="rect">
+            <a:avLst/>
+          </a:prstGeom>
+          <a:noFill/>
+          <a:ln>
+            <a:noFill/>
+          </a:ln>
+        </p:spPr>
+        <p:txBody>
+          <a:bodyPr lIns="0" rIns="0" tIns="0" bIns="0" anchor="ctr"/>
+          <a:p>
+            <a:r>
+              <a:rPr b="1" lang="es-ES" sz="5400" spc="-1" strike="noStrike">
+                <a:solidFill>
+                  <a:srgbClr val="ffffff"/>
+                </a:solidFill>
+                <a:uFill>
+                  <a:solidFill>
+                    <a:srgbClr val="ffffff"/>
+                  </a:solidFill>
+                </a:uFill>
+                <a:latin typeface="Source Sans Pro Black"/>
+              </a:rPr>
+              <a:t>TimeManager</a:t>
+            </a:r>
+            <a:endParaRPr b="1" lang="es-ES" sz="3600" spc="-1" strike="noStrike">
+              <a:solidFill>
+                <a:srgbClr val="ffffff"/>
+              </a:solidFill>
+              <a:uFill>
+                <a:solidFill>
+                  <a:srgbClr val="ffffff"/>
+                </a:solidFill>
+              </a:uFill>
+              <a:latin typeface="Source Sans Pro Black"/>
+            </a:endParaRPr>
+          </a:p>
+        </p:txBody>
+      </p:sp>
+      <p:sp>
+        <p:nvSpPr>
+          <p:cNvPr id="122" name="TextShape 2"/>
+          <p:cNvSpPr txBox="1"/>
+          <p:nvPr/>
+        </p:nvSpPr>
+        <p:spPr>
+          <a:xfrm>
+            <a:off x="360000" y="1980000"/>
+            <a:ext cx="9360000" cy="5040000"/>
+          </a:xfrm>
+          <a:prstGeom prst="rect">
+            <a:avLst/>
+          </a:prstGeom>
+          <a:noFill/>
+          <a:ln>
+            <a:noFill/>
+          </a:ln>
+        </p:spPr>
+        <p:txBody>
+          <a:bodyPr lIns="0" rIns="0" tIns="0" bIns="0"/>
+          <a:p>
+            <a:pPr marL="432000" indent="-324000">
+              <a:buClr>
+                <a:srgbClr val="2c3e50"/>
+              </a:buClr>
+              <a:buSzPct val="45000"/>
+              <a:buFont typeface="Wingdings" charset="2"/>
+              <a:buChar char=""/>
+            </a:pPr>
+            <a:r>
+              <a:rPr b="1" lang="es-ES" sz="3200" spc="-1" strike="noStrike">
+                <a:solidFill>
+                  <a:srgbClr val="2c3e50"/>
+                </a:solidFill>
+                <a:uFill>
+                  <a:solidFill>
+                    <a:srgbClr val="ffffff"/>
+                  </a:solidFill>
+                </a:uFill>
+                <a:latin typeface="Source Sans Pro Semibold"/>
+              </a:rPr>
+              <a:t>Añadidos</a:t>
+            </a:r>
+            <a:endParaRPr b="1" lang="es-ES" sz="3200" spc="-1" strike="noStrike">
+              <a:solidFill>
+                <a:srgbClr val="2c3e50"/>
+              </a:solidFill>
+              <a:uFill>
+                <a:solidFill>
+                  <a:srgbClr val="ffffff"/>
+                </a:solidFill>
+              </a:uFill>
+              <a:latin typeface="Source Sans Pro Semibold"/>
+              <a:ea typeface="源ノ角ゴシック Bold"/>
+            </a:endParaRPr>
+          </a:p>
+          <a:p>
+            <a:pPr lvl="1" marL="864000" indent="-324000">
+              <a:buClr>
+                <a:srgbClr val="2c3e50"/>
+              </a:buClr>
+              <a:buSzPct val="75000"/>
+              <a:buFont typeface="Symbol" charset="2"/>
+              <a:buChar char=""/>
+            </a:pPr>
+            <a:r>
+              <a:rPr b="1" lang="es-ES" sz="2800" spc="-1" strike="noStrike">
+                <a:solidFill>
+                  <a:srgbClr val="2c3e50"/>
+                </a:solidFill>
+                <a:uFill>
+                  <a:solidFill>
+                    <a:srgbClr val="ffffff"/>
+                  </a:solidFill>
+                </a:uFill>
+                <a:latin typeface="Source Sans Pro Semibold"/>
+              </a:rPr>
+              <a:t>Lista de estadística ordenada</a:t>
+            </a:r>
+            <a:endParaRPr b="1" lang="es-ES" sz="2800" spc="-1" strike="noStrike">
+              <a:solidFill>
+                <a:srgbClr val="2c3e50"/>
+              </a:solidFill>
+              <a:uFill>
+                <a:solidFill>
+                  <a:srgbClr val="ffffff"/>
+                </a:solidFill>
+              </a:uFill>
+              <a:latin typeface="Source Sans Pro Semibold"/>
+              <a:ea typeface="源ノ角ゴシック Bold"/>
+            </a:endParaRPr>
+          </a:p>
+          <a:p>
+            <a:pPr lvl="1" marL="864000" indent="-324000">
+              <a:buClr>
+                <a:srgbClr val="2c3e50"/>
+              </a:buClr>
+              <a:buSzPct val="75000"/>
+              <a:buFont typeface="Symbol" charset="2"/>
+              <a:buChar char=""/>
+            </a:pPr>
+            <a:r>
+              <a:rPr b="1" lang="es-ES" sz="2800" spc="-1" strike="noStrike">
+                <a:solidFill>
+                  <a:srgbClr val="2c3e50"/>
+                </a:solidFill>
+                <a:uFill>
+                  <a:solidFill>
+                    <a:srgbClr val="ffffff"/>
+                  </a:solidFill>
+                </a:uFill>
+                <a:latin typeface="Source Sans Pro Semibold"/>
+              </a:rPr>
+              <a:t>Lista de estadística separada</a:t>
+            </a:r>
+            <a:endParaRPr b="1" lang="es-ES" sz="2800" spc="-1" strike="noStrike">
+              <a:solidFill>
+                <a:srgbClr val="2c3e50"/>
+              </a:solidFill>
+              <a:uFill>
+                <a:solidFill>
+                  <a:srgbClr val="ffffff"/>
+                </a:solidFill>
+              </a:uFill>
+              <a:latin typeface="Source Sans Pro Semibold"/>
+              <a:ea typeface="源ノ角ゴシック Bold"/>
+            </a:endParaRPr>
+          </a:p>
+          <a:p>
+            <a:pPr lvl="1" marL="864000" indent="-324000">
+              <a:buClr>
+                <a:srgbClr val="2c3e50"/>
+              </a:buClr>
+              <a:buSzPct val="75000"/>
+              <a:buFont typeface="Symbol" charset="2"/>
+              <a:buChar char=""/>
+            </a:pPr>
+            <a:r>
+              <a:rPr b="1" lang="es-ES" sz="2800" spc="-1" strike="noStrike">
+                <a:solidFill>
+                  <a:srgbClr val="2c3e50"/>
+                </a:solidFill>
+                <a:uFill>
+                  <a:solidFill>
+                    <a:srgbClr val="ffffff"/>
+                  </a:solidFill>
+                </a:uFill>
+                <a:latin typeface="Source Sans Pro Semibold"/>
+              </a:rPr>
+              <a:t>en 2 columnas</a:t>
+            </a:r>
+            <a:endParaRPr b="1" lang="es-ES" sz="2800" spc="-1" strike="noStrike">
+              <a:solidFill>
+                <a:srgbClr val="2c3e50"/>
+              </a:solidFill>
+              <a:uFill>
+                <a:solidFill>
+                  <a:srgbClr val="ffffff"/>
+                </a:solidFill>
+              </a:uFill>
+              <a:latin typeface="Source Sans Pro Semibold"/>
+              <a:ea typeface="源ノ角ゴシック Bold"/>
+            </a:endParaRPr>
+          </a:p>
+        </p:txBody>
+      </p:sp>
+      <p:pic>
+        <p:nvPicPr>
+          <p:cNvPr id="123" name="" descr=""/>
+          <p:cNvPicPr/>
+          <p:nvPr/>
+        </p:nvPicPr>
+        <p:blipFill>
+          <a:blip r:embed="rId1"/>
+          <a:stretch/>
+        </p:blipFill>
+        <p:spPr>
+          <a:xfrm>
+            <a:off x="6263280" y="1801800"/>
+            <a:ext cx="2916720" cy="5187240"/>
+          </a:xfrm>
+          <a:prstGeom prst="rect">
+            <a:avLst/>
+          </a:prstGeom>
+          <a:ln>
+            <a:noFill/>
+          </a:ln>
+        </p:spPr>
+      </p:pic>
+      <p:pic>
+        <p:nvPicPr>
+          <p:cNvPr id="124" name="" descr=""/>
+          <p:cNvPicPr/>
+          <p:nvPr/>
+        </p:nvPicPr>
+        <p:blipFill>
+          <a:blip r:embed="rId2"/>
+          <a:stretch/>
+        </p:blipFill>
+        <p:spPr>
+          <a:xfrm>
+            <a:off x="6255720" y="1800000"/>
+            <a:ext cx="2924280" cy="5199480"/>
+          </a:xfrm>
+          <a:prstGeom prst="rect">
+            <a:avLst/>
+          </a:prstGeom>
+          <a:ln>
+            <a:noFill/>
+          </a:ln>
+        </p:spPr>
+      </p:pic>
+    </p:spTree>
+  </p:cSld>
+  <p:timing>
+    <p:tnLst>
+      <p:par>
+        <p:cTn id="27" dur="indefinite" restart="never" nodeType="tmRoot">
+          <p:childTnLst>
+            <p:seq>
+              <p:cTn id="28" nodeType="mainSeq"/>
+              <p:prevCondLst>
+                <p:cond delay="0" evt="onPrev">
+                  <p:tgtEl>
+                    <p:sldTgt/>
+                  </p:tgtEl>
+                </p:cond>
+              </p:prevCondLst>
+              <p:nextCondLst>
+                <p:cond delay="0" evt="onNext">
+                  <p:tgtEl>
+                    <p:sldTgt/>
+                  </p:tgtEl>
+                </p:cond>
+              </p:nextCondLst>
+            </p:seq>
+          </p:childTnLst>
+        </p:cTn>
+      </p:par>
+    </p:tnLst>
+  </p:timing>
+</p:sld>
+</file>
+
+<file path=ppt/slides/slide15.xml><?xml version="1.0" encoding="utf-8"?>
+<p:sld xmlns:a="http://schemas.openxmlformats.org/drawingml/2006/main" xmlns:p="http://schemas.openxmlformats.org/presentationml/2006/main" xmlns:r="http://schemas.openxmlformats.org/officeDocument/2006/relationships" xmlns:p14="http://schemas.microsoft.com/office/powerpoint/2010/main" xmlns:p15="http://schemas.microsoft.com/office/powerpoint/2012/main" xmlns:mc="http://schemas.openxmlformats.org/markup-compatibility/2006">
+  <p:cSld>
+    <p:spTree>
+      <p:nvGrpSpPr>
+        <p:cNvPr id="1" name=""/>
+        <p:cNvGrpSpPr/>
+        <p:nvPr/>
+      </p:nvGrpSpPr>
+      <p:grpSpPr>
+        <a:xfrm>
+          <a:off x="0" y="0"/>
+          <a:ext cx="0" cy="0"/>
+          <a:chOff x="0" y="0"/>
+          <a:chExt cx="0" cy="0"/>
+        </a:xfrm>
+      </p:grpSpPr>
+      <p:sp>
+        <p:nvSpPr>
+          <p:cNvPr id="125" name="TextShape 1"/>
+          <p:cNvSpPr txBox="1"/>
+          <p:nvPr/>
+        </p:nvSpPr>
+        <p:spPr>
+          <a:xfrm>
+            <a:off x="360000" y="301320"/>
+            <a:ext cx="9360000" cy="958680"/>
+          </a:xfrm>
+          <a:prstGeom prst="rect">
+            <a:avLst/>
+          </a:prstGeom>
+          <a:noFill/>
+          <a:ln>
+            <a:noFill/>
+          </a:ln>
+        </p:spPr>
+        <p:txBody>
+          <a:bodyPr lIns="0" rIns="0" tIns="0" bIns="0" anchor="ctr"/>
+          <a:p>
+            <a:r>
+              <a:rPr b="1" lang="es-ES" sz="5400" spc="-1" strike="noStrike">
+                <a:solidFill>
+                  <a:srgbClr val="ffffff"/>
+                </a:solidFill>
+                <a:uFill>
+                  <a:solidFill>
+                    <a:srgbClr val="ffffff"/>
+                  </a:solidFill>
+                </a:uFill>
+                <a:latin typeface="Source Sans Pro Black"/>
+              </a:rPr>
+              <a:t>TimeManager</a:t>
+            </a:r>
+            <a:endParaRPr b="1" lang="es-ES" sz="3600" spc="-1" strike="noStrike">
+              <a:solidFill>
+                <a:srgbClr val="ffffff"/>
+              </a:solidFill>
+              <a:uFill>
+                <a:solidFill>
+                  <a:srgbClr val="ffffff"/>
+                </a:solidFill>
+              </a:uFill>
+              <a:latin typeface="Source Sans Pro Black"/>
+            </a:endParaRPr>
+          </a:p>
+        </p:txBody>
+      </p:sp>
+      <p:sp>
+        <p:nvSpPr>
+          <p:cNvPr id="126" name="TextShape 2"/>
+          <p:cNvSpPr txBox="1"/>
+          <p:nvPr/>
+        </p:nvSpPr>
+        <p:spPr>
+          <a:xfrm>
+            <a:off x="360000" y="1980000"/>
+            <a:ext cx="9360000" cy="5040000"/>
+          </a:xfrm>
+          <a:prstGeom prst="rect">
+            <a:avLst/>
+          </a:prstGeom>
+          <a:noFill/>
+          <a:ln>
+            <a:noFill/>
+          </a:ln>
+        </p:spPr>
+        <p:txBody>
+          <a:bodyPr lIns="0" rIns="0" tIns="0" bIns="0"/>
+          <a:p>
+            <a:pPr marL="432000" indent="-324000">
+              <a:buClr>
+                <a:srgbClr val="2c3e50"/>
+              </a:buClr>
+              <a:buSzPct val="45000"/>
+              <a:buFont typeface="Wingdings" charset="2"/>
+              <a:buChar char=""/>
+            </a:pPr>
+            <a:r>
+              <a:rPr b="1" lang="es-ES" sz="3200" spc="-1" strike="noStrike">
+                <a:solidFill>
+                  <a:srgbClr val="2c3e50"/>
+                </a:solidFill>
+                <a:uFill>
+                  <a:solidFill>
+                    <a:srgbClr val="ffffff"/>
+                  </a:solidFill>
+                </a:uFill>
+                <a:latin typeface="Source Sans Pro Semibold"/>
+              </a:rPr>
+              <a:t>Añadidos</a:t>
+            </a:r>
+            <a:endParaRPr b="1" lang="es-ES" sz="3200" spc="-1" strike="noStrike">
+              <a:solidFill>
+                <a:srgbClr val="2c3e50"/>
+              </a:solidFill>
+              <a:uFill>
+                <a:solidFill>
+                  <a:srgbClr val="ffffff"/>
+                </a:solidFill>
+              </a:uFill>
+              <a:latin typeface="Source Sans Pro Semibold"/>
+              <a:ea typeface="源ノ角ゴシック Bold"/>
+            </a:endParaRPr>
+          </a:p>
+          <a:p>
+            <a:pPr lvl="1" marL="864000" indent="-324000">
+              <a:buClr>
+                <a:srgbClr val="2c3e50"/>
+              </a:buClr>
+              <a:buSzPct val="75000"/>
+              <a:buFont typeface="Symbol" charset="2"/>
+              <a:buChar char=""/>
+            </a:pPr>
+            <a:r>
+              <a:rPr b="1" lang="es-ES" sz="2800" spc="-1" strike="noStrike">
+                <a:solidFill>
+                  <a:srgbClr val="2c3e50"/>
+                </a:solidFill>
+                <a:uFill>
+                  <a:solidFill>
+                    <a:srgbClr val="ffffff"/>
+                  </a:solidFill>
+                </a:uFill>
+                <a:latin typeface="Source Sans Pro Semibold"/>
+              </a:rPr>
+              <a:t>Control de tareas</a:t>
+            </a:r>
+            <a:endParaRPr b="1" lang="es-ES" sz="2800" spc="-1" strike="noStrike">
+              <a:solidFill>
+                <a:srgbClr val="2c3e50"/>
+              </a:solidFill>
+              <a:uFill>
+                <a:solidFill>
+                  <a:srgbClr val="ffffff"/>
+                </a:solidFill>
+              </a:uFill>
+              <a:latin typeface="Source Sans Pro Semibold"/>
+              <a:ea typeface="源ノ角ゴシック Bold"/>
+            </a:endParaRPr>
+          </a:p>
+          <a:p>
+            <a:pPr lvl="1" marL="864000" indent="-324000">
+              <a:buClr>
+                <a:srgbClr val="2c3e50"/>
+              </a:buClr>
+              <a:buSzPct val="75000"/>
+              <a:buFont typeface="Symbol" charset="2"/>
+              <a:buChar char=""/>
+            </a:pPr>
+            <a:r>
+              <a:rPr b="1" lang="es-ES" sz="2800" spc="-1" strike="noStrike">
+                <a:solidFill>
+                  <a:srgbClr val="2c3e50"/>
+                </a:solidFill>
+                <a:uFill>
+                  <a:solidFill>
+                    <a:srgbClr val="ffffff"/>
+                  </a:solidFill>
+                </a:uFill>
+                <a:latin typeface="Source Sans Pro Semibold"/>
+              </a:rPr>
+              <a:t>Evita repeticiones</a:t>
+            </a:r>
+            <a:endParaRPr b="1" lang="es-ES" sz="2800" spc="-1" strike="noStrike">
+              <a:solidFill>
+                <a:srgbClr val="2c3e50"/>
+              </a:solidFill>
+              <a:uFill>
+                <a:solidFill>
+                  <a:srgbClr val="ffffff"/>
+                </a:solidFill>
+              </a:uFill>
+              <a:latin typeface="Source Sans Pro Semibold"/>
+              <a:ea typeface="源ノ角ゴシック Bold"/>
+            </a:endParaRPr>
+          </a:p>
+          <a:p>
+            <a:pPr lvl="1" marL="864000" indent="-324000">
+              <a:buClr>
+                <a:srgbClr val="2c3e50"/>
+              </a:buClr>
+              <a:buSzPct val="75000"/>
+              <a:buFont typeface="Symbol" charset="2"/>
+              <a:buChar char=""/>
+            </a:pPr>
+            <a:endParaRPr b="1" lang="es-ES" sz="2800" spc="-1" strike="noStrike">
+              <a:solidFill>
+                <a:srgbClr val="2c3e50"/>
+              </a:solidFill>
+              <a:uFill>
+                <a:solidFill>
+                  <a:srgbClr val="ffffff"/>
+                </a:solidFill>
+              </a:uFill>
+              <a:latin typeface="Source Sans Pro Semibold"/>
+              <a:ea typeface="源ノ角ゴシック Bold"/>
+            </a:endParaRPr>
+          </a:p>
+        </p:txBody>
+      </p:sp>
+      <p:pic>
+        <p:nvPicPr>
+          <p:cNvPr id="127" name="" descr=""/>
+          <p:cNvPicPr/>
+          <p:nvPr/>
+        </p:nvPicPr>
+        <p:blipFill>
+          <a:blip r:embed="rId1"/>
+          <a:stretch/>
+        </p:blipFill>
+        <p:spPr>
+          <a:xfrm>
+            <a:off x="6275880" y="1800000"/>
+            <a:ext cx="2936160" cy="5220000"/>
+          </a:xfrm>
+          <a:prstGeom prst="rect">
+            <a:avLst/>
+          </a:prstGeom>
+          <a:ln>
+            <a:noFill/>
+          </a:ln>
+        </p:spPr>
+      </p:pic>
+    </p:spTree>
+  </p:cSld>
+  <p:timing>
+    <p:tnLst>
+      <p:par>
+        <p:cTn id="29" dur="indefinite" restart="never" nodeType="tmRoot">
+          <p:childTnLst>
+            <p:seq>
+              <p:cTn id="30" nodeType="mainSeq"/>
+              <p:prevCondLst>
+                <p:cond delay="0" evt="onPrev">
+                  <p:tgtEl>
+                    <p:sldTgt/>
+                  </p:tgtEl>
+                </p:cond>
+              </p:prevCondLst>
+              <p:nextCondLst>
+                <p:cond delay="0" evt="onNext">
+                  <p:tgtEl>
+                    <p:sldTgt/>
+                  </p:tgtEl>
+                </p:cond>
+              </p:nextCondLst>
+            </p:seq>
+          </p:childTnLst>
+        </p:cTn>
+      </p:par>
+    </p:tnLst>
+  </p:timing>
+</p:sld>
+</file>
+
+<file path=ppt/slides/slide16.xml><?xml version="1.0" encoding="utf-8"?>
+<p:sld xmlns:a="http://schemas.openxmlformats.org/drawingml/2006/main" xmlns:p="http://schemas.openxmlformats.org/presentationml/2006/main" xmlns:r="http://schemas.openxmlformats.org/officeDocument/2006/relationships" xmlns:p14="http://schemas.microsoft.com/office/powerpoint/2010/main" xmlns:p15="http://schemas.microsoft.com/office/powerpoint/2012/main" xmlns:mc="http://schemas.openxmlformats.org/markup-compatibility/2006">
+  <p:cSld>
+    <p:spTree>
+      <p:nvGrpSpPr>
+        <p:cNvPr id="1" name=""/>
+        <p:cNvGrpSpPr/>
+        <p:nvPr/>
+      </p:nvGrpSpPr>
+      <p:grpSpPr>
+        <a:xfrm>
+          <a:off x="0" y="0"/>
+          <a:ext cx="0" cy="0"/>
+          <a:chOff x="0" y="0"/>
+          <a:chExt cx="0" cy="0"/>
+        </a:xfrm>
+      </p:grpSpPr>
+      <p:sp>
+        <p:nvSpPr>
+          <p:cNvPr id="128" name="TextShape 1"/>
+          <p:cNvSpPr txBox="1"/>
+          <p:nvPr/>
+        </p:nvSpPr>
+        <p:spPr>
+          <a:xfrm>
+            <a:off x="360000" y="301320"/>
+            <a:ext cx="9360000" cy="958680"/>
+          </a:xfrm>
+          <a:prstGeom prst="rect">
+            <a:avLst/>
+          </a:prstGeom>
+          <a:noFill/>
+          <a:ln>
+            <a:noFill/>
+          </a:ln>
+        </p:spPr>
+        <p:txBody>
+          <a:bodyPr lIns="0" rIns="0" tIns="0" bIns="0" anchor="ctr"/>
+          <a:p>
+            <a:r>
+              <a:rPr b="1" lang="es-ES" sz="5400" spc="-1" strike="noStrike">
+                <a:solidFill>
+                  <a:srgbClr val="ffffff"/>
+                </a:solidFill>
+                <a:uFill>
+                  <a:solidFill>
+                    <a:srgbClr val="ffffff"/>
+                  </a:solidFill>
+                </a:uFill>
+                <a:latin typeface="Source Sans Pro Black"/>
+              </a:rPr>
+              <a:t>TimeManager</a:t>
+            </a:r>
+            <a:endParaRPr b="1" lang="es-ES" sz="3600" spc="-1" strike="noStrike">
+              <a:solidFill>
+                <a:srgbClr val="ffffff"/>
+              </a:solidFill>
+              <a:uFill>
+                <a:solidFill>
+                  <a:srgbClr val="ffffff"/>
+                </a:solidFill>
+              </a:uFill>
+              <a:latin typeface="Source Sans Pro Black"/>
+            </a:endParaRPr>
+          </a:p>
+        </p:txBody>
+      </p:sp>
+      <p:sp>
+        <p:nvSpPr>
+          <p:cNvPr id="129" name="TextShape 2"/>
+          <p:cNvSpPr txBox="1"/>
+          <p:nvPr/>
+        </p:nvSpPr>
+        <p:spPr>
+          <a:xfrm>
+            <a:off x="360000" y="1980000"/>
+            <a:ext cx="9360000" cy="5040000"/>
+          </a:xfrm>
+          <a:prstGeom prst="rect">
+            <a:avLst/>
+          </a:prstGeom>
+          <a:noFill/>
+          <a:ln>
+            <a:noFill/>
+          </a:ln>
+        </p:spPr>
+        <p:txBody>
+          <a:bodyPr lIns="0" rIns="0" tIns="0" bIns="0"/>
+          <a:p>
+            <a:pPr marL="432000" indent="-324000">
+              <a:buClr>
+                <a:srgbClr val="2c3e50"/>
+              </a:buClr>
+              <a:buSzPct val="45000"/>
+              <a:buFont typeface="Wingdings" charset="2"/>
+              <a:buChar char=""/>
+            </a:pPr>
+            <a:r>
+              <a:rPr b="1" lang="es-ES" sz="3200" spc="-1" strike="noStrike">
+                <a:solidFill>
+                  <a:srgbClr val="2c3e50"/>
+                </a:solidFill>
+                <a:uFill>
+                  <a:solidFill>
+                    <a:srgbClr val="ffffff"/>
+                  </a:solidFill>
+                </a:uFill>
+                <a:latin typeface="Source Sans Pro Semibold"/>
+              </a:rPr>
+              <a:t>Añadidos</a:t>
+            </a:r>
+            <a:endParaRPr b="1" lang="es-ES" sz="3200" spc="-1" strike="noStrike">
+              <a:solidFill>
+                <a:srgbClr val="2c3e50"/>
+              </a:solidFill>
+              <a:uFill>
+                <a:solidFill>
+                  <a:srgbClr val="ffffff"/>
+                </a:solidFill>
+              </a:uFill>
+              <a:latin typeface="Source Sans Pro Semibold"/>
+              <a:ea typeface="源ノ角ゴシック Bold"/>
+            </a:endParaRPr>
+          </a:p>
+          <a:p>
+            <a:pPr lvl="1" marL="864000" indent="-324000">
+              <a:buClr>
+                <a:srgbClr val="2c3e50"/>
+              </a:buClr>
+              <a:buSzPct val="75000"/>
+              <a:buFont typeface="Symbol" charset="2"/>
+              <a:buChar char=""/>
+            </a:pPr>
+            <a:r>
+              <a:rPr b="1" lang="es-ES" sz="2800" spc="-1" strike="noStrike">
+                <a:solidFill>
+                  <a:srgbClr val="2c3e50"/>
+                </a:solidFill>
+                <a:uFill>
+                  <a:solidFill>
+                    <a:srgbClr val="ffffff"/>
+                  </a:solidFill>
+                </a:uFill>
+                <a:latin typeface="Source Sans Pro Semibold"/>
+              </a:rPr>
+              <a:t>Avisa con música al terminal </a:t>
+            </a:r>
+            <a:endParaRPr b="1" lang="es-ES" sz="2800" spc="-1" strike="noStrike">
+              <a:solidFill>
+                <a:srgbClr val="2c3e50"/>
+              </a:solidFill>
+              <a:uFill>
+                <a:solidFill>
+                  <a:srgbClr val="ffffff"/>
+                </a:solidFill>
+              </a:uFill>
+              <a:latin typeface="Source Sans Pro Semibold"/>
+              <a:ea typeface="源ノ角ゴシック Bold"/>
+            </a:endParaRPr>
+          </a:p>
+          <a:p>
+            <a:pPr lvl="1" marL="864000" indent="-324000">
+              <a:buClr>
+                <a:srgbClr val="2c3e50"/>
+              </a:buClr>
+              <a:buSzPct val="75000"/>
+              <a:buFont typeface="Symbol" charset="2"/>
+              <a:buChar char=""/>
+            </a:pPr>
+            <a:r>
+              <a:rPr b="1" lang="es-ES" sz="2800" spc="-1" strike="noStrike">
+                <a:solidFill>
+                  <a:srgbClr val="2c3e50"/>
+                </a:solidFill>
+                <a:uFill>
+                  <a:solidFill>
+                    <a:srgbClr val="ffffff"/>
+                  </a:solidFill>
+                </a:uFill>
+                <a:latin typeface="Source Sans Pro Semibold"/>
+              </a:rPr>
+              <a:t>la sesión(y vibra)</a:t>
+            </a:r>
+            <a:endParaRPr b="1" lang="es-ES" sz="2800" spc="-1" strike="noStrike">
+              <a:solidFill>
+                <a:srgbClr val="2c3e50"/>
+              </a:solidFill>
+              <a:uFill>
+                <a:solidFill>
+                  <a:srgbClr val="ffffff"/>
+                </a:solidFill>
+              </a:uFill>
+              <a:latin typeface="Source Sans Pro Semibold"/>
+              <a:ea typeface="源ノ角ゴシック Bold"/>
+            </a:endParaRPr>
+          </a:p>
+          <a:p>
+            <a:pPr lvl="1" marL="864000" indent="-324000">
+              <a:buClr>
+                <a:srgbClr val="2c3e50"/>
+              </a:buClr>
+              <a:buSzPct val="75000"/>
+              <a:buFont typeface="Symbol" charset="2"/>
+              <a:buChar char=""/>
+            </a:pPr>
+            <a:r>
+              <a:rPr b="1" lang="es-ES" sz="2800" spc="-1" strike="noStrike">
+                <a:solidFill>
+                  <a:srgbClr val="2c3e50"/>
+                </a:solidFill>
+                <a:uFill>
+                  <a:solidFill>
+                    <a:srgbClr val="ffffff"/>
+                  </a:solidFill>
+                </a:uFill>
+                <a:latin typeface="Source Sans Pro Semibold"/>
+              </a:rPr>
+              <a:t>Se anima al terminar la sesión</a:t>
+            </a:r>
+            <a:endParaRPr b="1" lang="es-ES" sz="2800" spc="-1" strike="noStrike">
+              <a:solidFill>
+                <a:srgbClr val="2c3e50"/>
+              </a:solidFill>
+              <a:uFill>
+                <a:solidFill>
+                  <a:srgbClr val="ffffff"/>
+                </a:solidFill>
+              </a:uFill>
+              <a:latin typeface="Source Sans Pro Semibold"/>
+              <a:ea typeface="源ノ角ゴシック Bold"/>
+            </a:endParaRPr>
+          </a:p>
+          <a:p>
+            <a:pPr lvl="2" marL="1296000" indent="-288000">
+              <a:buClr>
+                <a:srgbClr val="2c3e50"/>
+              </a:buClr>
+              <a:buSzPct val="45000"/>
+              <a:buFont typeface="Wingdings" charset="2"/>
+              <a:buChar char=""/>
+            </a:pPr>
+            <a:r>
+              <a:rPr b="0" lang="es-ES" sz="2400" spc="-1" strike="noStrike">
+                <a:solidFill>
+                  <a:srgbClr val="2c3e50"/>
+                </a:solidFill>
+                <a:uFill>
+                  <a:solidFill>
+                    <a:srgbClr val="ffffff"/>
+                  </a:solidFill>
+                </a:uFill>
+                <a:latin typeface="Source Sans Pro"/>
+              </a:rPr>
+              <a:t>Animación</a:t>
+            </a:r>
+            <a:endParaRPr b="0" lang="es-ES" sz="2400" spc="-1" strike="noStrike">
+              <a:solidFill>
+                <a:srgbClr val="2c3e50"/>
+              </a:solidFill>
+              <a:uFill>
+                <a:solidFill>
+                  <a:srgbClr val="ffffff"/>
+                </a:solidFill>
+              </a:uFill>
+              <a:latin typeface="Source Sans Pro"/>
+            </a:endParaRPr>
+          </a:p>
+          <a:p>
+            <a:pPr lvl="2" marL="1296000" indent="-288000">
+              <a:buClr>
+                <a:srgbClr val="2c3e50"/>
+              </a:buClr>
+              <a:buSzPct val="45000"/>
+              <a:buFont typeface="Wingdings" charset="2"/>
+              <a:buChar char=""/>
+            </a:pPr>
+            <a:r>
+              <a:rPr b="0" lang="es-ES" sz="2400" spc="-1" strike="noStrike">
+                <a:solidFill>
+                  <a:srgbClr val="2c3e50"/>
+                </a:solidFill>
+                <a:uFill>
+                  <a:solidFill>
+                    <a:srgbClr val="ffffff"/>
+                  </a:solidFill>
+                </a:uFill>
+                <a:latin typeface="Source Sans Pro"/>
+              </a:rPr>
+              <a:t>Transición</a:t>
+            </a:r>
+            <a:endParaRPr b="0" lang="es-ES" sz="2400" spc="-1" strike="noStrike">
+              <a:solidFill>
+                <a:srgbClr val="2c3e50"/>
+              </a:solidFill>
+              <a:uFill>
+                <a:solidFill>
+                  <a:srgbClr val="ffffff"/>
+                </a:solidFill>
+              </a:uFill>
+              <a:latin typeface="Source Sans Pro"/>
+            </a:endParaRPr>
+          </a:p>
+          <a:p>
+            <a:pPr lvl="1" marL="864000" indent="-324000">
+              <a:buClr>
+                <a:srgbClr val="2c3e50"/>
+              </a:buClr>
+              <a:buSzPct val="75000"/>
+              <a:buFont typeface="Symbol" charset="2"/>
+              <a:buChar char=""/>
+            </a:pPr>
+            <a:endParaRPr b="1" lang="es-ES" sz="2800" spc="-1" strike="noStrike">
+              <a:solidFill>
+                <a:srgbClr val="2c3e50"/>
+              </a:solidFill>
+              <a:uFill>
+                <a:solidFill>
+                  <a:srgbClr val="ffffff"/>
+                </a:solidFill>
+              </a:uFill>
+              <a:latin typeface="Source Sans Pro Semibold"/>
+              <a:ea typeface="源ノ角ゴシック Bold"/>
+            </a:endParaRPr>
+          </a:p>
+        </p:txBody>
+      </p:sp>
+      <p:pic>
+        <p:nvPicPr>
+          <p:cNvPr id="130" name="" descr=""/>
+          <p:cNvPicPr/>
+          <p:nvPr/>
+        </p:nvPicPr>
+        <p:blipFill>
+          <a:blip r:embed="rId1"/>
+          <a:stretch/>
+        </p:blipFill>
+        <p:spPr>
+          <a:xfrm>
+            <a:off x="6244200" y="1800000"/>
+            <a:ext cx="2935800" cy="5220000"/>
+          </a:xfrm>
+          <a:prstGeom prst="rect">
+            <a:avLst/>
+          </a:prstGeom>
+          <a:ln>
+            <a:noFill/>
+          </a:ln>
+        </p:spPr>
+      </p:pic>
+    </p:spTree>
+  </p:cSld>
+  <p:timing>
+    <p:tnLst>
+      <p:par>
+        <p:cTn id="31" dur="indefinite" restart="never" nodeType="tmRoot">
+          <p:childTnLst>
+            <p:seq>
+              <p:cTn id="32" nodeType="mainSeq"/>
+              <p:prevCondLst>
+                <p:cond delay="0" evt="onPrev">
+                  <p:tgtEl>
+                    <p:sldTgt/>
+                  </p:tgtEl>
+                </p:cond>
+              </p:prevCondLst>
+              <p:nextCondLst>
+                <p:cond delay="0" evt="onNext">
+                  <p:tgtEl>
+                    <p:sldTgt/>
+                  </p:tgtEl>
+                </p:cond>
+              </p:nextCondLst>
+            </p:seq>
+          </p:childTnLst>
+        </p:cTn>
+      </p:par>
+    </p:tnLst>
+  </p:timing>
+</p:sld>
+</file>
+
+<file path=ppt/slides/slide17.xml><?xml version="1.0" encoding="utf-8"?>
+<p:sld xmlns:a="http://schemas.openxmlformats.org/drawingml/2006/main" xmlns:p="http://schemas.openxmlformats.org/presentationml/2006/main" xmlns:r="http://schemas.openxmlformats.org/officeDocument/2006/relationships" xmlns:p14="http://schemas.microsoft.com/office/powerpoint/2010/main" xmlns:p15="http://schemas.microsoft.com/office/powerpoint/2012/main" xmlns:mc="http://schemas.openxmlformats.org/markup-compatibility/2006">
+  <p:cSld>
+    <p:spTree>
+      <p:nvGrpSpPr>
+        <p:cNvPr id="1" name=""/>
+        <p:cNvGrpSpPr/>
+        <p:nvPr/>
+      </p:nvGrpSpPr>
+      <p:grpSpPr>
+        <a:xfrm>
+          <a:off x="0" y="0"/>
+          <a:ext cx="0" cy="0"/>
+          <a:chOff x="0" y="0"/>
+          <a:chExt cx="0" cy="0"/>
+        </a:xfrm>
+      </p:grpSpPr>
+      <p:sp>
+        <p:nvSpPr>
+          <p:cNvPr id="131" name="TextShape 1"/>
+          <p:cNvSpPr txBox="1"/>
+          <p:nvPr/>
+        </p:nvSpPr>
+        <p:spPr>
+          <a:xfrm>
+            <a:off x="360000" y="301320"/>
+            <a:ext cx="9360000" cy="958680"/>
+          </a:xfrm>
+          <a:prstGeom prst="rect">
+            <a:avLst/>
+          </a:prstGeom>
+          <a:noFill/>
+          <a:ln>
+            <a:noFill/>
+          </a:ln>
+        </p:spPr>
+        <p:txBody>
+          <a:bodyPr lIns="0" rIns="0" tIns="0" bIns="0" anchor="ctr"/>
+          <a:p>
+            <a:r>
+              <a:rPr b="1" lang="es-ES" sz="5400" spc="-1" strike="noStrike">
+                <a:solidFill>
+                  <a:srgbClr val="ffffff"/>
+                </a:solidFill>
+                <a:uFill>
+                  <a:solidFill>
+                    <a:srgbClr val="ffffff"/>
+                  </a:solidFill>
+                </a:uFill>
+                <a:latin typeface="Source Sans Pro Black"/>
+              </a:rPr>
+              <a:t>TimeManager</a:t>
+            </a:r>
+            <a:endParaRPr b="1" lang="es-ES" sz="3600" spc="-1" strike="noStrike">
+              <a:solidFill>
+                <a:srgbClr val="ffffff"/>
+              </a:solidFill>
+              <a:uFill>
+                <a:solidFill>
+                  <a:srgbClr val="ffffff"/>
+                </a:solidFill>
+              </a:uFill>
+              <a:latin typeface="Source Sans Pro Black"/>
+            </a:endParaRPr>
+          </a:p>
+        </p:txBody>
+      </p:sp>
+      <p:sp>
+        <p:nvSpPr>
+          <p:cNvPr id="132" name="TextShape 2"/>
+          <p:cNvSpPr txBox="1"/>
+          <p:nvPr/>
+        </p:nvSpPr>
+        <p:spPr>
+          <a:xfrm>
+            <a:off x="360000" y="1980000"/>
+            <a:ext cx="9360000" cy="5040000"/>
+          </a:xfrm>
+          <a:prstGeom prst="rect">
+            <a:avLst/>
+          </a:prstGeom>
+          <a:noFill/>
+          <a:ln>
+            <a:noFill/>
+          </a:ln>
+        </p:spPr>
+        <p:txBody>
+          <a:bodyPr lIns="0" rIns="0" tIns="0" bIns="0"/>
+          <a:p>
+            <a:pPr marL="432000" indent="-324000">
+              <a:buClr>
+                <a:srgbClr val="2c3e50"/>
+              </a:buClr>
+              <a:buSzPct val="45000"/>
+              <a:buFont typeface="Wingdings" charset="2"/>
+              <a:buChar char=""/>
+            </a:pPr>
+            <a:r>
+              <a:rPr b="1" lang="es-ES" sz="2800" spc="-1" strike="noStrike">
+                <a:solidFill>
+                  <a:srgbClr val="2c3e50"/>
+                </a:solidFill>
+                <a:uFill>
+                  <a:solidFill>
+                    <a:srgbClr val="ffffff"/>
+                  </a:solidFill>
+                </a:uFill>
+                <a:latin typeface="Source Sans Pro Semibold"/>
+              </a:rPr>
+              <a:t>Añadidos</a:t>
+            </a:r>
+            <a:endParaRPr b="1" lang="es-ES" sz="2800" spc="-1" strike="noStrike">
+              <a:solidFill>
+                <a:srgbClr val="2c3e50"/>
+              </a:solidFill>
+              <a:uFill>
+                <a:solidFill>
+                  <a:srgbClr val="ffffff"/>
+                </a:solidFill>
+              </a:uFill>
+              <a:latin typeface="Source Sans Pro Semibold"/>
+              <a:ea typeface="源ノ角ゴシック Bold"/>
+            </a:endParaRPr>
+          </a:p>
+          <a:p>
+            <a:pPr lvl="1" marL="864000" indent="-324000">
+              <a:buClr>
+                <a:srgbClr val="2c3e50"/>
+              </a:buClr>
+              <a:buSzPct val="75000"/>
+              <a:buFont typeface="Symbol" charset="2"/>
+              <a:buChar char=""/>
+            </a:pPr>
+            <a:r>
+              <a:rPr b="1" lang="es-ES" sz="2800" spc="-1" strike="noStrike">
+                <a:solidFill>
+                  <a:srgbClr val="2c3e50"/>
+                </a:solidFill>
+                <a:uFill>
+                  <a:solidFill>
+                    <a:srgbClr val="ffffff"/>
+                  </a:solidFill>
+                </a:uFill>
+                <a:latin typeface="Source Sans Pro Semibold"/>
+              </a:rPr>
+              <a:t>Animación que avisa</a:t>
+            </a:r>
+            <a:endParaRPr b="1" lang="es-ES" sz="2800" spc="-1" strike="noStrike">
+              <a:solidFill>
+                <a:srgbClr val="2c3e50"/>
+              </a:solidFill>
+              <a:uFill>
+                <a:solidFill>
+                  <a:srgbClr val="ffffff"/>
+                </a:solidFill>
+              </a:uFill>
+              <a:latin typeface="Source Sans Pro Semibold"/>
+              <a:ea typeface="源ノ角ゴシック Bold"/>
+            </a:endParaRPr>
+          </a:p>
+          <a:p>
+            <a:pPr lvl="1" marL="864000" indent="-324000">
+              <a:buClr>
+                <a:srgbClr val="2c3e50"/>
+              </a:buClr>
+              <a:buSzPct val="75000"/>
+              <a:buFont typeface="Symbol" charset="2"/>
+              <a:buChar char=""/>
+            </a:pPr>
+            <a:r>
+              <a:rPr b="1" lang="es-ES" sz="2800" spc="-1" strike="noStrike">
+                <a:solidFill>
+                  <a:srgbClr val="2c3e50"/>
+                </a:solidFill>
+                <a:uFill>
+                  <a:solidFill>
+                    <a:srgbClr val="ffffff"/>
+                  </a:solidFill>
+                </a:uFill>
+                <a:latin typeface="Source Sans Pro Semibold"/>
+              </a:rPr>
+              <a:t> </a:t>
+            </a:r>
+            <a:r>
+              <a:rPr b="1" lang="es-ES" sz="2800" spc="-1" strike="noStrike">
+                <a:solidFill>
+                  <a:srgbClr val="2c3e50"/>
+                </a:solidFill>
+                <a:uFill>
+                  <a:solidFill>
+                    <a:srgbClr val="ffffff"/>
+                  </a:solidFill>
+                </a:uFill>
+                <a:latin typeface="Source Sans Pro Semibold"/>
+              </a:rPr>
+              <a:t>que la aplicación</a:t>
+            </a:r>
+            <a:endParaRPr b="1" lang="es-ES" sz="2800" spc="-1" strike="noStrike">
+              <a:solidFill>
+                <a:srgbClr val="2c3e50"/>
+              </a:solidFill>
+              <a:uFill>
+                <a:solidFill>
+                  <a:srgbClr val="ffffff"/>
+                </a:solidFill>
+              </a:uFill>
+              <a:latin typeface="Source Sans Pro Semibold"/>
+              <a:ea typeface="源ノ角ゴシック Bold"/>
+            </a:endParaRPr>
+          </a:p>
+          <a:p>
+            <a:pPr lvl="1" marL="864000" indent="-324000">
+              <a:buClr>
+                <a:srgbClr val="2c3e50"/>
+              </a:buClr>
+              <a:buSzPct val="75000"/>
+              <a:buFont typeface="Symbol" charset="2"/>
+              <a:buChar char=""/>
+            </a:pPr>
+            <a:r>
+              <a:rPr b="1" lang="es-ES" sz="2800" spc="-1" strike="noStrike">
+                <a:solidFill>
+                  <a:srgbClr val="2c3e50"/>
+                </a:solidFill>
+                <a:uFill>
+                  <a:solidFill>
+                    <a:srgbClr val="ffffff"/>
+                  </a:solidFill>
+                </a:uFill>
+                <a:latin typeface="Source Sans Pro Semibold"/>
+              </a:rPr>
+              <a:t> </a:t>
+            </a:r>
+            <a:r>
+              <a:rPr b="1" lang="es-ES" sz="2800" spc="-1" strike="noStrike">
+                <a:solidFill>
+                  <a:srgbClr val="2c3e50"/>
+                </a:solidFill>
+                <a:uFill>
+                  <a:solidFill>
+                    <a:srgbClr val="ffffff"/>
+                  </a:solidFill>
+                </a:uFill>
+                <a:latin typeface="Source Sans Pro Semibold"/>
+              </a:rPr>
+              <a:t>es gratuita</a:t>
+            </a:r>
+            <a:endParaRPr b="1" lang="es-ES" sz="2800" spc="-1" strike="noStrike">
+              <a:solidFill>
+                <a:srgbClr val="2c3e50"/>
+              </a:solidFill>
+              <a:uFill>
+                <a:solidFill>
+                  <a:srgbClr val="ffffff"/>
+                </a:solidFill>
+              </a:uFill>
+              <a:latin typeface="Source Sans Pro Semibold"/>
+              <a:ea typeface="源ノ角ゴシック Bold"/>
+            </a:endParaRPr>
+          </a:p>
+          <a:p>
+            <a:pPr lvl="1" marL="864000" indent="-324000">
+              <a:buClr>
+                <a:srgbClr val="2c3e50"/>
+              </a:buClr>
+              <a:buSzPct val="75000"/>
+              <a:buFont typeface="Symbol" charset="2"/>
+              <a:buChar char=""/>
+            </a:pPr>
+            <a:r>
+              <a:rPr b="1" lang="es-ES" sz="2800" spc="-1" strike="noStrike">
+                <a:solidFill>
+                  <a:srgbClr val="2c3e50"/>
+                </a:solidFill>
+                <a:uFill>
+                  <a:solidFill>
+                    <a:srgbClr val="ffffff"/>
+                  </a:solidFill>
+                </a:uFill>
+                <a:latin typeface="Source Sans Pro Semibold"/>
+              </a:rPr>
+              <a:t>Una transición para</a:t>
+            </a:r>
+            <a:endParaRPr b="1" lang="es-ES" sz="2800" spc="-1" strike="noStrike">
+              <a:solidFill>
+                <a:srgbClr val="2c3e50"/>
+              </a:solidFill>
+              <a:uFill>
+                <a:solidFill>
+                  <a:srgbClr val="ffffff"/>
+                </a:solidFill>
+              </a:uFill>
+              <a:latin typeface="Source Sans Pro Semibold"/>
+              <a:ea typeface="源ノ角ゴシック Bold"/>
+            </a:endParaRPr>
+          </a:p>
+          <a:p>
+            <a:pPr lvl="1" marL="864000" indent="-324000">
+              <a:buClr>
+                <a:srgbClr val="2c3e50"/>
+              </a:buClr>
+              <a:buSzPct val="75000"/>
+              <a:buFont typeface="Symbol" charset="2"/>
+              <a:buChar char=""/>
+            </a:pPr>
+            <a:r>
+              <a:rPr b="1" lang="es-ES" sz="2800" spc="-1" strike="noStrike">
+                <a:solidFill>
+                  <a:srgbClr val="2c3e50"/>
+                </a:solidFill>
+                <a:uFill>
+                  <a:solidFill>
+                    <a:srgbClr val="ffffff"/>
+                  </a:solidFill>
+                </a:uFill>
+                <a:latin typeface="Source Sans Pro Semibold"/>
+              </a:rPr>
+              <a:t>marcar que ya has</a:t>
+            </a:r>
+            <a:endParaRPr b="1" lang="es-ES" sz="2800" spc="-1" strike="noStrike">
+              <a:solidFill>
+                <a:srgbClr val="2c3e50"/>
+              </a:solidFill>
+              <a:uFill>
+                <a:solidFill>
+                  <a:srgbClr val="ffffff"/>
+                </a:solidFill>
+              </a:uFill>
+              <a:latin typeface="Source Sans Pro Semibold"/>
+              <a:ea typeface="源ノ角ゴシック Bold"/>
+            </a:endParaRPr>
+          </a:p>
+          <a:p>
+            <a:pPr lvl="1" marL="864000" indent="-324000">
+              <a:buClr>
+                <a:srgbClr val="2c3e50"/>
+              </a:buClr>
+              <a:buSzPct val="75000"/>
+              <a:buFont typeface="Symbol" charset="2"/>
+              <a:buChar char=""/>
+            </a:pPr>
+            <a:r>
+              <a:rPr b="1" lang="es-ES" sz="2800" spc="-1" strike="noStrike">
+                <a:solidFill>
+                  <a:srgbClr val="2c3e50"/>
+                </a:solidFill>
+                <a:uFill>
+                  <a:solidFill>
+                    <a:srgbClr val="ffffff"/>
+                  </a:solidFill>
+                </a:uFill>
+                <a:latin typeface="Source Sans Pro Semibold"/>
+              </a:rPr>
+              <a:t>pulsado el icono</a:t>
+            </a:r>
+            <a:endParaRPr b="1" lang="es-ES" sz="2800" spc="-1" strike="noStrike">
+              <a:solidFill>
+                <a:srgbClr val="2c3e50"/>
+              </a:solidFill>
+              <a:uFill>
+                <a:solidFill>
+                  <a:srgbClr val="ffffff"/>
+                </a:solidFill>
+              </a:uFill>
+              <a:latin typeface="Source Sans Pro Semibold"/>
+              <a:ea typeface="源ノ角ゴシック Bold"/>
+            </a:endParaRPr>
+          </a:p>
+        </p:txBody>
+      </p:sp>
+      <p:pic>
+        <p:nvPicPr>
+          <p:cNvPr id="133" name="" descr=""/>
+          <p:cNvPicPr/>
+          <p:nvPr/>
+        </p:nvPicPr>
+        <p:blipFill>
+          <a:blip r:embed="rId1"/>
+          <a:stretch/>
+        </p:blipFill>
+        <p:spPr>
+          <a:xfrm>
+            <a:off x="5040000" y="2700000"/>
+            <a:ext cx="2226960" cy="3960000"/>
+          </a:xfrm>
+          <a:prstGeom prst="rect">
+            <a:avLst/>
+          </a:prstGeom>
+          <a:ln>
+            <a:noFill/>
+          </a:ln>
+        </p:spPr>
+      </p:pic>
+      <p:pic>
+        <p:nvPicPr>
+          <p:cNvPr id="134" name="" descr=""/>
+          <p:cNvPicPr/>
+          <p:nvPr/>
+        </p:nvPicPr>
+        <p:blipFill>
+          <a:blip r:embed="rId2"/>
+          <a:stretch/>
+        </p:blipFill>
+        <p:spPr>
+          <a:xfrm>
+            <a:off x="7560000" y="2700000"/>
+            <a:ext cx="2227680" cy="3960000"/>
+          </a:xfrm>
+          <a:prstGeom prst="rect">
+            <a:avLst/>
+          </a:prstGeom>
+          <a:ln>
+            <a:noFill/>
+          </a:ln>
+        </p:spPr>
+      </p:pic>
+    </p:spTree>
+  </p:cSld>
+  <p:timing>
+    <p:tnLst>
+      <p:par>
+        <p:cTn id="33" dur="indefinite" restart="never" nodeType="tmRoot">
+          <p:childTnLst>
+            <p:seq>
+              <p:cTn id="34" nodeType="mainSeq"/>
               <p:prevCondLst>
                 <p:cond delay="0" evt="onPrev">
                   <p:tgtEl>
